--- a/Phase 4/Step 15 - Push banking application in git.pptx
+++ b/Phase 4/Step 15 - Push banking application in git.pptx
@@ -7,12 +7,9 @@
   <p:sldIdLst>
     <p:sldId id="256" r:id="rId2"/>
     <p:sldId id="257" r:id="rId3"/>
-    <p:sldId id="261" r:id="rId4"/>
-    <p:sldId id="262" r:id="rId5"/>
-    <p:sldId id="263" r:id="rId6"/>
-    <p:sldId id="264" r:id="rId7"/>
-    <p:sldId id="265" r:id="rId8"/>
-    <p:sldId id="266" r:id="rId9"/>
+    <p:sldId id="267" r:id="rId4"/>
+    <p:sldId id="268" r:id="rId5"/>
+    <p:sldId id="269" r:id="rId6"/>
   </p:sldIdLst>
   <p:sldSz cx="12192000" cy="6858000"/>
   <p:notesSz cx="6858000" cy="9144000"/>
@@ -250,7 +247,7 @@
           <a:p>
             <a:fld id="{42386099-759E-47AF-B5BA-C91AC6CEC5A3}" type="datetimeFigureOut">
               <a:rPr lang="en-US" smtClean="0"/>
-              <a:t>1/5/2023</a:t>
+              <a:t>2/28/2023</a:t>
             </a:fld>
             <a:endParaRPr lang="en-US"/>
           </a:p>
@@ -420,7 +417,7 @@
           <a:p>
             <a:fld id="{42386099-759E-47AF-B5BA-C91AC6CEC5A3}" type="datetimeFigureOut">
               <a:rPr lang="en-US" smtClean="0"/>
-              <a:t>1/5/2023</a:t>
+              <a:t>2/28/2023</a:t>
             </a:fld>
             <a:endParaRPr lang="en-US"/>
           </a:p>
@@ -600,7 +597,7 @@
           <a:p>
             <a:fld id="{42386099-759E-47AF-B5BA-C91AC6CEC5A3}" type="datetimeFigureOut">
               <a:rPr lang="en-US" smtClean="0"/>
-              <a:t>1/5/2023</a:t>
+              <a:t>2/28/2023</a:t>
             </a:fld>
             <a:endParaRPr lang="en-US"/>
           </a:p>
@@ -770,7 +767,7 @@
           <a:p>
             <a:fld id="{42386099-759E-47AF-B5BA-C91AC6CEC5A3}" type="datetimeFigureOut">
               <a:rPr lang="en-US" smtClean="0"/>
-              <a:t>1/5/2023</a:t>
+              <a:t>2/28/2023</a:t>
             </a:fld>
             <a:endParaRPr lang="en-US"/>
           </a:p>
@@ -1016,7 +1013,7 @@
           <a:p>
             <a:fld id="{42386099-759E-47AF-B5BA-C91AC6CEC5A3}" type="datetimeFigureOut">
               <a:rPr lang="en-US" smtClean="0"/>
-              <a:t>1/5/2023</a:t>
+              <a:t>2/28/2023</a:t>
             </a:fld>
             <a:endParaRPr lang="en-US"/>
           </a:p>
@@ -1248,7 +1245,7 @@
           <a:p>
             <a:fld id="{42386099-759E-47AF-B5BA-C91AC6CEC5A3}" type="datetimeFigureOut">
               <a:rPr lang="en-US" smtClean="0"/>
-              <a:t>1/5/2023</a:t>
+              <a:t>2/28/2023</a:t>
             </a:fld>
             <a:endParaRPr lang="en-US"/>
           </a:p>
@@ -1615,7 +1612,7 @@
           <a:p>
             <a:fld id="{42386099-759E-47AF-B5BA-C91AC6CEC5A3}" type="datetimeFigureOut">
               <a:rPr lang="en-US" smtClean="0"/>
-              <a:t>1/5/2023</a:t>
+              <a:t>2/28/2023</a:t>
             </a:fld>
             <a:endParaRPr lang="en-US"/>
           </a:p>
@@ -1733,7 +1730,7 @@
           <a:p>
             <a:fld id="{42386099-759E-47AF-B5BA-C91AC6CEC5A3}" type="datetimeFigureOut">
               <a:rPr lang="en-US" smtClean="0"/>
-              <a:t>1/5/2023</a:t>
+              <a:t>2/28/2023</a:t>
             </a:fld>
             <a:endParaRPr lang="en-US"/>
           </a:p>
@@ -1828,7 +1825,7 @@
           <a:p>
             <a:fld id="{42386099-759E-47AF-B5BA-C91AC6CEC5A3}" type="datetimeFigureOut">
               <a:rPr lang="en-US" smtClean="0"/>
-              <a:t>1/5/2023</a:t>
+              <a:t>2/28/2023</a:t>
             </a:fld>
             <a:endParaRPr lang="en-US"/>
           </a:p>
@@ -2105,7 +2102,7 @@
           <a:p>
             <a:fld id="{42386099-759E-47AF-B5BA-C91AC6CEC5A3}" type="datetimeFigureOut">
               <a:rPr lang="en-US" smtClean="0"/>
-              <a:t>1/5/2023</a:t>
+              <a:t>2/28/2023</a:t>
             </a:fld>
             <a:endParaRPr lang="en-US"/>
           </a:p>
@@ -2358,7 +2355,7 @@
           <a:p>
             <a:fld id="{42386099-759E-47AF-B5BA-C91AC6CEC5A3}" type="datetimeFigureOut">
               <a:rPr lang="en-US" smtClean="0"/>
-              <a:t>1/5/2023</a:t>
+              <a:t>2/28/2023</a:t>
             </a:fld>
             <a:endParaRPr lang="en-US"/>
           </a:p>
@@ -2571,7 +2568,7 @@
           <a:p>
             <a:fld id="{42386099-759E-47AF-B5BA-C91AC6CEC5A3}" type="datetimeFigureOut">
               <a:rPr lang="en-US" smtClean="0"/>
-              <a:t>1/5/2023</a:t>
+              <a:t>2/28/2023</a:t>
             </a:fld>
             <a:endParaRPr lang="en-US"/>
           </a:p>
@@ -2992,20 +2989,12 @@
           <a:lstStyle/>
           <a:p>
             <a:r>
-              <a:rPr lang="en-US" dirty="0" smtClean="0"/>
-              <a:t>Node JS</a:t>
-            </a:r>
-            <a:r>
-              <a:rPr lang="en-US" dirty="0" smtClean="0"/>
-              <a:t> </a:t>
-            </a:r>
-            <a:r>
-              <a:rPr lang="en-US" dirty="0" smtClean="0"/>
-              <a:t>– Step </a:t>
-            </a:r>
-            <a:r>
-              <a:rPr lang="en-US" dirty="0" smtClean="0"/>
-              <a:t>7</a:t>
+              <a:rPr lang="en-US" dirty="0"/>
+              <a:t>Step 15 - Push banking application in </a:t>
+            </a:r>
+            <a:r>
+              <a:rPr lang="en-US" dirty="0" err="1"/>
+              <a:t>git</a:t>
             </a:r>
             <a:endParaRPr lang="en-US" dirty="0"/>
           </a:p>
@@ -3077,98 +3066,74 @@
           <a:p>
             <a:r>
               <a:rPr lang="en-US" dirty="0" smtClean="0"/>
-              <a:t>Node JS</a:t>
+              <a:t>Running Banking application </a:t>
+            </a:r>
+            <a:endParaRPr lang="en-US" dirty="0"/>
+          </a:p>
+        </p:txBody>
+      </p:sp>
+      <p:sp>
+        <p:nvSpPr>
+          <p:cNvPr id="3" name="Content Placeholder 2"/>
+          <p:cNvSpPr>
+            <a:spLocks noGrp="1"/>
+          </p:cNvSpPr>
+          <p:nvPr>
+            <p:ph idx="1"/>
+          </p:nvPr>
+        </p:nvSpPr>
+        <p:spPr/>
+        <p:txBody>
+          <a:bodyPr>
+            <a:normAutofit/>
+          </a:bodyPr>
+          <a:lstStyle/>
+          <a:p>
+            <a:r>
+              <a:rPr lang="en-US" dirty="0" smtClean="0"/>
+              <a:t>Create separate folder and copy and paste</a:t>
+            </a:r>
+          </a:p>
+          <a:p>
+            <a:r>
+              <a:rPr lang="en-US" dirty="0" smtClean="0"/>
+              <a:t>my-banking-app-backend</a:t>
+            </a:r>
+          </a:p>
+          <a:p>
+            <a:r>
+              <a:rPr lang="en-US" dirty="0" smtClean="0"/>
+              <a:t>my-banking-app-frontend </a:t>
+            </a:r>
+          </a:p>
+          <a:p>
+            <a:r>
+              <a:rPr lang="en-US" dirty="0" smtClean="0"/>
+              <a:t>Create two new files </a:t>
+            </a:r>
+          </a:p>
+          <a:p>
+            <a:r>
+              <a:rPr lang="en-US" dirty="0" err="1"/>
+              <a:t>d</a:t>
+            </a:r>
+            <a:r>
+              <a:rPr lang="en-US" dirty="0" err="1" smtClean="0"/>
+              <a:t>ocker-compose.yml</a:t>
             </a:r>
             <a:r>
               <a:rPr lang="en-US" dirty="0" smtClean="0"/>
               <a:t> </a:t>
             </a:r>
-            <a:endParaRPr lang="en-US" dirty="0"/>
-          </a:p>
-        </p:txBody>
-      </p:sp>
-      <p:sp>
-        <p:nvSpPr>
-          <p:cNvPr id="3" name="Content Placeholder 2"/>
-          <p:cNvSpPr>
-            <a:spLocks noGrp="1"/>
-          </p:cNvSpPr>
-          <p:nvPr>
-            <p:ph idx="1"/>
-          </p:nvPr>
-        </p:nvSpPr>
-        <p:spPr/>
-        <p:txBody>
-          <a:bodyPr>
-            <a:normAutofit fontScale="92500"/>
-          </a:bodyPr>
-          <a:lstStyle/>
-          <a:p>
+          </a:p>
+          <a:p>
+            <a:r>
+              <a:rPr lang="en-US" dirty="0" err="1" smtClean="0"/>
+              <a:t>Jenkinsfile</a:t>
+            </a:r>
             <a:r>
               <a:rPr lang="en-US" dirty="0" smtClean="0"/>
-              <a:t>Node JS is a run time environment for JavaScript library and framework. </a:t>
-            </a:r>
-            <a:endParaRPr lang="en-US" dirty="0" smtClean="0"/>
-          </a:p>
-          <a:p>
-            <a:r>
-              <a:rPr lang="en-US" dirty="0" smtClean="0"/>
-              <a:t>Before node </a:t>
-            </a:r>
-            <a:r>
-              <a:rPr lang="en-US" dirty="0" err="1" smtClean="0"/>
-              <a:t>js</a:t>
-            </a:r>
-            <a:r>
-              <a:rPr lang="en-US" dirty="0" smtClean="0"/>
-              <a:t> JavaScript is known as Client side scripting language.</a:t>
-            </a:r>
-          </a:p>
-          <a:p>
-            <a:r>
-              <a:rPr lang="en-US" dirty="0" smtClean="0"/>
-              <a:t>But after node </a:t>
-            </a:r>
-            <a:r>
-              <a:rPr lang="en-US" dirty="0" err="1" smtClean="0"/>
-              <a:t>js</a:t>
-            </a:r>
-            <a:r>
-              <a:rPr lang="en-US" dirty="0" smtClean="0"/>
-              <a:t> JavaScript also known as Client side as well as server side scripting language. </a:t>
-            </a:r>
-          </a:p>
-          <a:p>
-            <a:r>
-              <a:rPr lang="en-US" dirty="0" smtClean="0"/>
-              <a:t>Node JS provided lot of pre module which help to create the server side application. </a:t>
-            </a:r>
-          </a:p>
-          <a:p>
-            <a:r>
-              <a:rPr lang="en-US" dirty="0" smtClean="0"/>
-              <a:t>Node JS Modules divided into </a:t>
-            </a:r>
-          </a:p>
-          <a:p>
-            <a:pPr lvl="1"/>
-            <a:r>
-              <a:rPr lang="en-US" dirty="0" smtClean="0"/>
-              <a:t>Core module </a:t>
-            </a:r>
-          </a:p>
-          <a:p>
-            <a:pPr lvl="1"/>
-            <a:r>
-              <a:rPr lang="en-US" dirty="0" smtClean="0"/>
-              <a:t>User defined module </a:t>
-            </a:r>
-          </a:p>
-          <a:p>
-            <a:pPr lvl="1"/>
-            <a:r>
-              <a:rPr lang="en-US" dirty="0" smtClean="0"/>
-              <a:t>External module </a:t>
+              <a:t> </a:t>
             </a:r>
             <a:endParaRPr lang="en-US" dirty="0" smtClean="0"/>
           </a:p>
@@ -3221,15 +3186,7 @@
           <a:p>
             <a:r>
               <a:rPr lang="en-US" dirty="0" smtClean="0"/>
-              <a:t>Installation of node </a:t>
-            </a:r>
-            <a:r>
-              <a:rPr lang="en-US" dirty="0" err="1" smtClean="0"/>
-              <a:t>js</a:t>
-            </a:r>
-            <a:r>
-              <a:rPr lang="en-US" dirty="0" smtClean="0"/>
-              <a:t> </a:t>
+              <a:t>Project structure </a:t>
             </a:r>
             <a:endParaRPr lang="en-US" dirty="0"/>
           </a:p>
@@ -3253,8 +3210,8 @@
         </p:blipFill>
         <p:spPr>
           <a:xfrm>
-            <a:off x="1699251" y="1690688"/>
-            <a:ext cx="7057062" cy="4351338"/>
+            <a:off x="2339014" y="2202818"/>
+            <a:ext cx="7513971" cy="3596952"/>
           </a:xfrm>
           <a:prstGeom prst="rect">
             <a:avLst/>
@@ -3264,7 +3221,7 @@
     </p:spTree>
     <p:extLst>
       <p:ext uri="{BB962C8B-B14F-4D97-AF65-F5344CB8AC3E}">
-        <p14:creationId xmlns:p14="http://schemas.microsoft.com/office/powerpoint/2010/main" val="3546111040"/>
+        <p14:creationId xmlns:p14="http://schemas.microsoft.com/office/powerpoint/2010/main" val="515268100"/>
       </p:ext>
     </p:extLst>
   </p:cSld>
@@ -3308,50 +3265,144 @@
           <a:p>
             <a:r>
               <a:rPr lang="en-US" dirty="0" smtClean="0"/>
-              <a:t>To verify node version and </a:t>
+              <a:t>Create remote repository in </a:t>
             </a:r>
             <a:r>
               <a:rPr lang="en-US" dirty="0" err="1" smtClean="0"/>
-              <a:t>npm</a:t>
+              <a:t>github</a:t>
             </a:r>
             <a:r>
               <a:rPr lang="en-US" dirty="0" smtClean="0"/>
-              <a:t> version </a:t>
+              <a:t> account </a:t>
             </a:r>
             <a:endParaRPr lang="en-US" dirty="0"/>
           </a:p>
         </p:txBody>
       </p:sp>
-      <p:pic>
-        <p:nvPicPr>
-          <p:cNvPr id="4" name="Content Placeholder 3"/>
-          <p:cNvPicPr>
-            <a:picLocks noGrp="1" noChangeAspect="1"/>
-          </p:cNvPicPr>
+      <p:sp>
+        <p:nvSpPr>
+          <p:cNvPr id="3" name="Content Placeholder 2"/>
+          <p:cNvSpPr>
+            <a:spLocks noGrp="1"/>
+          </p:cNvSpPr>
           <p:nvPr>
             <p:ph idx="1"/>
           </p:nvPr>
-        </p:nvPicPr>
-        <p:blipFill>
-          <a:blip r:embed="rId2"/>
-          <a:stretch>
-            <a:fillRect/>
-          </a:stretch>
-        </p:blipFill>
-        <p:spPr>
-          <a:xfrm>
-            <a:off x="3264924" y="2660058"/>
-            <a:ext cx="5662151" cy="2682472"/>
-          </a:xfrm>
-          <a:prstGeom prst="rect">
-            <a:avLst/>
-          </a:prstGeom>
-        </p:spPr>
-      </p:pic>
+        </p:nvSpPr>
+        <p:spPr/>
+        <p:txBody>
+          <a:bodyPr/>
+          <a:lstStyle/>
+          <a:p>
+            <a:r>
+              <a:rPr lang="en-US" dirty="0" smtClean="0"/>
+              <a:t>Then in local machine run below command </a:t>
+            </a:r>
+          </a:p>
+          <a:p>
+            <a:r>
+              <a:rPr lang="en-US" dirty="0" err="1" smtClean="0"/>
+              <a:t>git</a:t>
+            </a:r>
+            <a:r>
+              <a:rPr lang="en-US" dirty="0" smtClean="0"/>
+              <a:t> </a:t>
+            </a:r>
+            <a:r>
+              <a:rPr lang="en-US" dirty="0" err="1" smtClean="0"/>
+              <a:t>init</a:t>
+            </a:r>
+            <a:r>
+              <a:rPr lang="en-US" dirty="0" smtClean="0"/>
+              <a:t> </a:t>
+            </a:r>
+          </a:p>
+          <a:p>
+            <a:r>
+              <a:rPr lang="en-US" dirty="0" err="1" smtClean="0"/>
+              <a:t>git</a:t>
+            </a:r>
+            <a:r>
+              <a:rPr lang="en-US" dirty="0" smtClean="0"/>
+              <a:t> add .</a:t>
+            </a:r>
+          </a:p>
+          <a:p>
+            <a:r>
+              <a:rPr lang="en-US" dirty="0" err="1"/>
+              <a:t>g</a:t>
+            </a:r>
+            <a:r>
+              <a:rPr lang="en-US" dirty="0" err="1" smtClean="0"/>
+              <a:t>it</a:t>
+            </a:r>
+            <a:r>
+              <a:rPr lang="en-US" dirty="0" smtClean="0"/>
+              <a:t> commit –m “running capstone project ready”</a:t>
+            </a:r>
+          </a:p>
+          <a:p>
+            <a:r>
+              <a:rPr lang="en-US" dirty="0" err="1" smtClean="0"/>
+              <a:t>git</a:t>
+            </a:r>
+            <a:r>
+              <a:rPr lang="en-US" dirty="0" smtClean="0"/>
+              <a:t> remote add origin URL </a:t>
+            </a:r>
+          </a:p>
+          <a:p>
+            <a:pPr lvl="1"/>
+            <a:r>
+              <a:rPr lang="en-US" dirty="0" smtClean="0"/>
+              <a:t>Ex: </a:t>
+            </a:r>
+            <a:r>
+              <a:rPr lang="en-US" dirty="0" err="1" smtClean="0"/>
+              <a:t>git</a:t>
+            </a:r>
+            <a:r>
+              <a:rPr lang="en-US" dirty="0" smtClean="0"/>
+              <a:t> remote </a:t>
+            </a:r>
+            <a:r>
+              <a:rPr lang="en-US" dirty="0"/>
+              <a:t>add origin </a:t>
+            </a:r>
+            <a:r>
+              <a:rPr lang="en-US" dirty="0">
+                <a:hlinkClick r:id="rId2"/>
+              </a:rPr>
+              <a:t>https://</a:t>
+            </a:r>
+            <a:r>
+              <a:rPr lang="en-US" dirty="0" smtClean="0">
+                <a:hlinkClick r:id="rId2"/>
+              </a:rPr>
+              <a:t>github.com/Kaleakash/RunningBankingApp.git</a:t>
+            </a:r>
+            <a:endParaRPr lang="en-US" dirty="0" smtClean="0"/>
+          </a:p>
+          <a:p>
+            <a:r>
+              <a:rPr lang="en-US" dirty="0" err="1"/>
+              <a:t>g</a:t>
+            </a:r>
+            <a:r>
+              <a:rPr lang="en-US" dirty="0" err="1" smtClean="0"/>
+              <a:t>it</a:t>
+            </a:r>
+            <a:r>
+              <a:rPr lang="en-US" dirty="0" smtClean="0"/>
+              <a:t> push –u origin HEAD</a:t>
+            </a:r>
+          </a:p>
+        </p:txBody>
+      </p:sp>
     </p:spTree>
     <p:extLst>
       <p:ext uri="{BB962C8B-B14F-4D97-AF65-F5344CB8AC3E}">
-        <p14:creationId xmlns:p14="http://schemas.microsoft.com/office/powerpoint/2010/main" val="1742601128"/>
+        <p14:creationId xmlns:p14="http://schemas.microsoft.com/office/powerpoint/2010/main" val="2621066492"/>
       </p:ext>
     </p:extLst>
   </p:cSld>
@@ -3393,363 +3444,45 @@
           <a:bodyPr/>
           <a:lstStyle/>
           <a:p>
+            <a:endParaRPr lang="en-US" dirty="0"/>
+          </a:p>
+        </p:txBody>
+      </p:sp>
+      <p:sp>
+        <p:nvSpPr>
+          <p:cNvPr id="3" name="Content Placeholder 2"/>
+          <p:cNvSpPr>
+            <a:spLocks noGrp="1"/>
+          </p:cNvSpPr>
+          <p:nvPr>
+            <p:ph idx="1"/>
+          </p:nvPr>
+        </p:nvSpPr>
+        <p:spPr/>
+        <p:txBody>
+          <a:bodyPr/>
+          <a:lstStyle/>
+          <a:p>
+            <a:r>
+              <a:rPr lang="en-US" dirty="0" smtClean="0"/>
+              <a:t>The complete project ready in </a:t>
+            </a:r>
             <a:r>
               <a:rPr lang="en-US" dirty="0" err="1" smtClean="0"/>
-              <a:t>Json</a:t>
+              <a:t>git</a:t>
             </a:r>
             <a:r>
               <a:rPr lang="en-US" dirty="0" smtClean="0"/>
-              <a:t>-server </a:t>
+              <a:t> repository </a:t>
             </a:r>
             <a:endParaRPr lang="en-US" dirty="0"/>
           </a:p>
         </p:txBody>
       </p:sp>
-      <p:sp>
-        <p:nvSpPr>
-          <p:cNvPr id="3" name="Content Placeholder 2"/>
-          <p:cNvSpPr>
-            <a:spLocks noGrp="1"/>
-          </p:cNvSpPr>
-          <p:nvPr>
-            <p:ph idx="1"/>
-          </p:nvPr>
-        </p:nvSpPr>
-        <p:spPr/>
-        <p:txBody>
-          <a:bodyPr/>
-          <a:lstStyle/>
-          <a:p>
-            <a:r>
-              <a:rPr lang="en-US" dirty="0" err="1"/>
-              <a:t>j</a:t>
-            </a:r>
-            <a:r>
-              <a:rPr lang="en-US" dirty="0" err="1" smtClean="0"/>
-              <a:t>son</a:t>
-            </a:r>
-            <a:r>
-              <a:rPr lang="en-US" dirty="0" smtClean="0"/>
-              <a:t>-sever : it is external modules which help to make </a:t>
-            </a:r>
-            <a:r>
-              <a:rPr lang="en-US" dirty="0" err="1" smtClean="0"/>
-              <a:t>json</a:t>
-            </a:r>
-            <a:r>
-              <a:rPr lang="en-US" dirty="0" smtClean="0"/>
-              <a:t> static file as a server with default port number 3000. </a:t>
-            </a:r>
-          </a:p>
-          <a:p>
-            <a:pPr marL="0" indent="0">
-              <a:buNone/>
-            </a:pPr>
-            <a:r>
-              <a:rPr lang="en-US" dirty="0" smtClean="0"/>
-              <a:t> </a:t>
-            </a:r>
-            <a:endParaRPr lang="en-US" dirty="0"/>
-          </a:p>
-        </p:txBody>
-      </p:sp>
-      <p:pic>
-        <p:nvPicPr>
-          <p:cNvPr id="4" name="Picture 3"/>
-          <p:cNvPicPr>
-            <a:picLocks noChangeAspect="1"/>
-          </p:cNvPicPr>
-          <p:nvPr/>
-        </p:nvPicPr>
-        <p:blipFill>
-          <a:blip r:embed="rId2"/>
-          <a:stretch>
-            <a:fillRect/>
-          </a:stretch>
-        </p:blipFill>
-        <p:spPr>
-          <a:xfrm>
-            <a:off x="3078487" y="3443557"/>
-            <a:ext cx="5166808" cy="2446232"/>
-          </a:xfrm>
-          <a:prstGeom prst="rect">
-            <a:avLst/>
-          </a:prstGeom>
-        </p:spPr>
-      </p:pic>
     </p:spTree>
     <p:extLst>
       <p:ext uri="{BB962C8B-B14F-4D97-AF65-F5344CB8AC3E}">
-        <p14:creationId xmlns:p14="http://schemas.microsoft.com/office/powerpoint/2010/main" val="609765183"/>
-      </p:ext>
-    </p:extLst>
-  </p:cSld>
-  <p:clrMapOvr>
-    <a:masterClrMapping/>
-  </p:clrMapOvr>
-</p:sld>
-</file>
-
-<file path=ppt/slides/slide6.xml><?xml version="1.0" encoding="utf-8"?>
-<p:sld xmlns:a="http://schemas.openxmlformats.org/drawingml/2006/main" xmlns:r="http://schemas.openxmlformats.org/officeDocument/2006/relationships" xmlns:p="http://schemas.openxmlformats.org/presentationml/2006/main">
-  <p:cSld>
-    <p:spTree>
-      <p:nvGrpSpPr>
-        <p:cNvPr id="1" name=""/>
-        <p:cNvGrpSpPr/>
-        <p:nvPr/>
-      </p:nvGrpSpPr>
-      <p:grpSpPr>
-        <a:xfrm>
-          <a:off x="0" y="0"/>
-          <a:ext cx="0" cy="0"/>
-          <a:chOff x="0" y="0"/>
-          <a:chExt cx="0" cy="0"/>
-        </a:xfrm>
-      </p:grpSpPr>
-      <p:sp>
-        <p:nvSpPr>
-          <p:cNvPr id="2" name="Title 1"/>
-          <p:cNvSpPr>
-            <a:spLocks noGrp="1"/>
-          </p:cNvSpPr>
-          <p:nvPr>
-            <p:ph type="title"/>
-          </p:nvPr>
-        </p:nvSpPr>
-        <p:spPr/>
-        <p:txBody>
-          <a:bodyPr/>
-          <a:lstStyle/>
-          <a:p>
-            <a:r>
-              <a:rPr lang="en-US" dirty="0" smtClean="0"/>
-              <a:t>Sample </a:t>
-            </a:r>
-            <a:r>
-              <a:rPr lang="en-US" dirty="0" err="1" smtClean="0"/>
-              <a:t>json</a:t>
-            </a:r>
-            <a:r>
-              <a:rPr lang="en-US" dirty="0" smtClean="0"/>
-              <a:t> file </a:t>
-            </a:r>
-            <a:r>
-              <a:rPr lang="en-US" dirty="0" err="1" smtClean="0"/>
-              <a:t>bankdb.json</a:t>
-            </a:r>
-            <a:r>
-              <a:rPr lang="en-US" dirty="0" smtClean="0"/>
-              <a:t> </a:t>
-            </a:r>
-            <a:endParaRPr lang="en-US" dirty="0"/>
-          </a:p>
-        </p:txBody>
-      </p:sp>
-      <p:pic>
-        <p:nvPicPr>
-          <p:cNvPr id="6" name="Content Placeholder 5"/>
-          <p:cNvPicPr>
-            <a:picLocks noGrp="1" noChangeAspect="1"/>
-          </p:cNvPicPr>
-          <p:nvPr>
-            <p:ph idx="1"/>
-          </p:nvPr>
-        </p:nvPicPr>
-        <p:blipFill>
-          <a:blip r:embed="rId2"/>
-          <a:stretch>
-            <a:fillRect/>
-          </a:stretch>
-        </p:blipFill>
-        <p:spPr>
-          <a:xfrm>
-            <a:off x="1403928" y="1825625"/>
-            <a:ext cx="7487940" cy="4351338"/>
-          </a:xfrm>
-          <a:prstGeom prst="rect">
-            <a:avLst/>
-          </a:prstGeom>
-        </p:spPr>
-      </p:pic>
-    </p:spTree>
-    <p:extLst>
-      <p:ext uri="{BB962C8B-B14F-4D97-AF65-F5344CB8AC3E}">
-        <p14:creationId xmlns:p14="http://schemas.microsoft.com/office/powerpoint/2010/main" val="2420966040"/>
-      </p:ext>
-    </p:extLst>
-  </p:cSld>
-  <p:clrMapOvr>
-    <a:masterClrMapping/>
-  </p:clrMapOvr>
-</p:sld>
-</file>
-
-<file path=ppt/slides/slide7.xml><?xml version="1.0" encoding="utf-8"?>
-<p:sld xmlns:a="http://schemas.openxmlformats.org/drawingml/2006/main" xmlns:r="http://schemas.openxmlformats.org/officeDocument/2006/relationships" xmlns:p="http://schemas.openxmlformats.org/presentationml/2006/main">
-  <p:cSld>
-    <p:spTree>
-      <p:nvGrpSpPr>
-        <p:cNvPr id="1" name=""/>
-        <p:cNvGrpSpPr/>
-        <p:nvPr/>
-      </p:nvGrpSpPr>
-      <p:grpSpPr>
-        <a:xfrm>
-          <a:off x="0" y="0"/>
-          <a:ext cx="0" cy="0"/>
-          <a:chOff x="0" y="0"/>
-          <a:chExt cx="0" cy="0"/>
-        </a:xfrm>
-      </p:grpSpPr>
-      <p:sp>
-        <p:nvSpPr>
-          <p:cNvPr id="2" name="Title 1"/>
-          <p:cNvSpPr>
-            <a:spLocks noGrp="1"/>
-          </p:cNvSpPr>
-          <p:nvPr>
-            <p:ph type="title"/>
-          </p:nvPr>
-        </p:nvSpPr>
-        <p:spPr/>
-        <p:txBody>
-          <a:bodyPr/>
-          <a:lstStyle/>
-          <a:p>
-            <a:r>
-              <a:rPr lang="en-US" dirty="0" smtClean="0"/>
-              <a:t>After running </a:t>
-            </a:r>
-            <a:r>
-              <a:rPr lang="en-US" dirty="0" err="1" smtClean="0"/>
-              <a:t>json</a:t>
-            </a:r>
-            <a:r>
-              <a:rPr lang="en-US" dirty="0" smtClean="0"/>
-              <a:t> file using </a:t>
-            </a:r>
-            <a:r>
-              <a:rPr lang="en-US" dirty="0" err="1" smtClean="0"/>
-              <a:t>json</a:t>
-            </a:r>
-            <a:r>
-              <a:rPr lang="en-US" dirty="0" smtClean="0"/>
-              <a:t>-server </a:t>
-            </a:r>
-            <a:endParaRPr lang="en-US" dirty="0"/>
-          </a:p>
-        </p:txBody>
-      </p:sp>
-      <p:pic>
-        <p:nvPicPr>
-          <p:cNvPr id="4" name="Content Placeholder 3"/>
-          <p:cNvPicPr>
-            <a:picLocks noGrp="1" noChangeAspect="1"/>
-          </p:cNvPicPr>
-          <p:nvPr>
-            <p:ph idx="1"/>
-          </p:nvPr>
-        </p:nvPicPr>
-        <p:blipFill>
-          <a:blip r:embed="rId2"/>
-          <a:stretch>
-            <a:fillRect/>
-          </a:stretch>
-        </p:blipFill>
-        <p:spPr>
-          <a:xfrm>
-            <a:off x="838200" y="2389312"/>
-            <a:ext cx="10515600" cy="3223964"/>
-          </a:xfrm>
-          <a:prstGeom prst="rect">
-            <a:avLst/>
-          </a:prstGeom>
-        </p:spPr>
-      </p:pic>
-    </p:spTree>
-    <p:extLst>
-      <p:ext uri="{BB962C8B-B14F-4D97-AF65-F5344CB8AC3E}">
-        <p14:creationId xmlns:p14="http://schemas.microsoft.com/office/powerpoint/2010/main" val="2819882296"/>
-      </p:ext>
-    </p:extLst>
-  </p:cSld>
-  <p:clrMapOvr>
-    <a:masterClrMapping/>
-  </p:clrMapOvr>
-</p:sld>
-</file>
-
-<file path=ppt/slides/slide8.xml><?xml version="1.0" encoding="utf-8"?>
-<p:sld xmlns:a="http://schemas.openxmlformats.org/drawingml/2006/main" xmlns:r="http://schemas.openxmlformats.org/officeDocument/2006/relationships" xmlns:p="http://schemas.openxmlformats.org/presentationml/2006/main">
-  <p:cSld>
-    <p:spTree>
-      <p:nvGrpSpPr>
-        <p:cNvPr id="1" name=""/>
-        <p:cNvGrpSpPr/>
-        <p:nvPr/>
-      </p:nvGrpSpPr>
-      <p:grpSpPr>
-        <a:xfrm>
-          <a:off x="0" y="0"/>
-          <a:ext cx="0" cy="0"/>
-          <a:chOff x="0" y="0"/>
-          <a:chExt cx="0" cy="0"/>
-        </a:xfrm>
-      </p:grpSpPr>
-      <p:sp>
-        <p:nvSpPr>
-          <p:cNvPr id="2" name="Title 1"/>
-          <p:cNvSpPr>
-            <a:spLocks noGrp="1"/>
-          </p:cNvSpPr>
-          <p:nvPr>
-            <p:ph type="title"/>
-          </p:nvPr>
-        </p:nvSpPr>
-        <p:spPr/>
-        <p:txBody>
-          <a:bodyPr/>
-          <a:lstStyle/>
-          <a:p>
-            <a:r>
-              <a:rPr lang="en-US" dirty="0" smtClean="0"/>
-              <a:t>Verifying browser </a:t>
-            </a:r>
-            <a:endParaRPr lang="en-US" dirty="0"/>
-          </a:p>
-        </p:txBody>
-      </p:sp>
-      <p:pic>
-        <p:nvPicPr>
-          <p:cNvPr id="4" name="Content Placeholder 3"/>
-          <p:cNvPicPr>
-            <a:picLocks noGrp="1" noChangeAspect="1"/>
-          </p:cNvPicPr>
-          <p:nvPr>
-            <p:ph idx="1"/>
-          </p:nvPr>
-        </p:nvPicPr>
-        <p:blipFill>
-          <a:blip r:embed="rId2"/>
-          <a:stretch>
-            <a:fillRect/>
-          </a:stretch>
-        </p:blipFill>
-        <p:spPr>
-          <a:xfrm>
-            <a:off x="2868650" y="2240921"/>
-            <a:ext cx="6454699" cy="3520745"/>
-          </a:xfrm>
-          <a:prstGeom prst="rect">
-            <a:avLst/>
-          </a:prstGeom>
-        </p:spPr>
-      </p:pic>
-    </p:spTree>
-    <p:extLst>
-      <p:ext uri="{BB962C8B-B14F-4D97-AF65-F5344CB8AC3E}">
-        <p14:creationId xmlns:p14="http://schemas.microsoft.com/office/powerpoint/2010/main" val="3739818708"/>
+        <p14:creationId xmlns:p14="http://schemas.microsoft.com/office/powerpoint/2010/main" val="3520028720"/>
       </p:ext>
     </p:extLst>
   </p:cSld>
